--- a/slides/template.pptx
+++ b/slides/template.pptx
@@ -390,7 +390,7 @@
           <a:p>
             <a:fld id="{51673806-0BCD-1F42-BAA8-2011034B3C6A}" type="datetimeFigureOut">
               <a:rPr lang="en-US" smtClean="0"/>
-              <a:t>2/27/20</a:t>
+              <a:t>4/30/21</a:t>
             </a:fld>
             <a:endParaRPr lang="en-US"/>
           </a:p>
@@ -804,7 +804,7 @@
           <a:p>
             <a:fld id="{51673806-0BCD-1F42-BAA8-2011034B3C6A}" type="datetimeFigureOut">
               <a:rPr lang="en-US" smtClean="0"/>
-              <a:t>2/27/20</a:t>
+              <a:t>4/30/21</a:t>
             </a:fld>
             <a:endParaRPr lang="en-US"/>
           </a:p>
@@ -1135,7 +1135,7 @@
           <a:p>
             <a:fld id="{51673806-0BCD-1F42-BAA8-2011034B3C6A}" type="datetimeFigureOut">
               <a:rPr lang="en-US" smtClean="0"/>
-              <a:t>2/27/20</a:t>
+              <a:t>4/30/21</a:t>
             </a:fld>
             <a:endParaRPr lang="en-US"/>
           </a:p>
@@ -1535,7 +1535,7 @@
           <a:p>
             <a:fld id="{51673806-0BCD-1F42-BAA8-2011034B3C6A}" type="datetimeFigureOut">
               <a:rPr lang="en-US" smtClean="0"/>
-              <a:t>2/27/20</a:t>
+              <a:t>4/30/21</a:t>
             </a:fld>
             <a:endParaRPr lang="en-US"/>
           </a:p>
@@ -2098,7 +2098,7 @@
           <a:p>
             <a:fld id="{51673806-0BCD-1F42-BAA8-2011034B3C6A}" type="datetimeFigureOut">
               <a:rPr lang="en-US" smtClean="0"/>
-              <a:t>2/27/20</a:t>
+              <a:t>4/30/21</a:t>
             </a:fld>
             <a:endParaRPr lang="en-US"/>
           </a:p>
@@ -2774,7 +2774,7 @@
           <a:p>
             <a:fld id="{51673806-0BCD-1F42-BAA8-2011034B3C6A}" type="datetimeFigureOut">
               <a:rPr lang="en-US" smtClean="0"/>
-              <a:t>2/27/20</a:t>
+              <a:t>4/30/21</a:t>
             </a:fld>
             <a:endParaRPr lang="en-US"/>
           </a:p>
@@ -3682,7 +3682,7 @@
           <a:p>
             <a:fld id="{51673806-0BCD-1F42-BAA8-2011034B3C6A}" type="datetimeFigureOut">
               <a:rPr lang="en-US" smtClean="0"/>
-              <a:t>2/27/20</a:t>
+              <a:t>4/30/21</a:t>
             </a:fld>
             <a:endParaRPr lang="en-US"/>
           </a:p>
@@ -3990,7 +3990,7 @@
           <a:p>
             <a:fld id="{51673806-0BCD-1F42-BAA8-2011034B3C6A}" type="datetimeFigureOut">
               <a:rPr lang="en-US" smtClean="0"/>
-              <a:t>2/27/20</a:t>
+              <a:t>4/30/21</a:t>
             </a:fld>
             <a:endParaRPr lang="en-US"/>
           </a:p>
@@ -4249,7 +4249,7 @@
           <a:p>
             <a:fld id="{51673806-0BCD-1F42-BAA8-2011034B3C6A}" type="datetimeFigureOut">
               <a:rPr lang="en-US" smtClean="0"/>
-              <a:t>2/27/20</a:t>
+              <a:t>4/30/21</a:t>
             </a:fld>
             <a:endParaRPr lang="en-US"/>
           </a:p>
@@ -4572,7 +4572,7 @@
           <a:p>
             <a:fld id="{51673806-0BCD-1F42-BAA8-2011034B3C6A}" type="datetimeFigureOut">
               <a:rPr lang="en-US" smtClean="0"/>
-              <a:t>2/27/20</a:t>
+              <a:t>4/30/21</a:t>
             </a:fld>
             <a:endParaRPr lang="en-US"/>
           </a:p>
@@ -4956,7 +4956,7 @@
           <a:p>
             <a:fld id="{51673806-0BCD-1F42-BAA8-2011034B3C6A}" type="datetimeFigureOut">
               <a:rPr lang="en-US" smtClean="0"/>
-              <a:t>2/27/20</a:t>
+              <a:t>4/30/21</a:t>
             </a:fld>
             <a:endParaRPr lang="en-US"/>
           </a:p>
@@ -5332,7 +5332,7 @@
           <a:p>
             <a:fld id="{51673806-0BCD-1F42-BAA8-2011034B3C6A}" type="datetimeFigureOut">
               <a:rPr lang="en-US" smtClean="0"/>
-              <a:t>2/27/20</a:t>
+              <a:t>4/30/21</a:t>
             </a:fld>
             <a:endParaRPr lang="en-US"/>
           </a:p>
@@ -5838,7 +5838,7 @@
           <a:p>
             <a:fld id="{51673806-0BCD-1F42-BAA8-2011034B3C6A}" type="datetimeFigureOut">
               <a:rPr lang="en-US" smtClean="0"/>
-              <a:t>2/27/20</a:t>
+              <a:t>4/30/21</a:t>
             </a:fld>
             <a:endParaRPr lang="en-US"/>
           </a:p>
@@ -6095,7 +6095,7 @@
           <a:p>
             <a:fld id="{51673806-0BCD-1F42-BAA8-2011034B3C6A}" type="datetimeFigureOut">
               <a:rPr lang="en-US" smtClean="0"/>
-              <a:t>2/27/20</a:t>
+              <a:t>4/30/21</a:t>
             </a:fld>
             <a:endParaRPr lang="en-US"/>
           </a:p>
@@ -6253,7 +6253,7 @@
           <a:p>
             <a:fld id="{51673806-0BCD-1F42-BAA8-2011034B3C6A}" type="datetimeFigureOut">
               <a:rPr lang="en-US" smtClean="0"/>
-              <a:t>2/27/20</a:t>
+              <a:t>4/30/21</a:t>
             </a:fld>
             <a:endParaRPr lang="en-US"/>
           </a:p>
@@ -6643,7 +6643,7 @@
           <a:p>
             <a:fld id="{51673806-0BCD-1F42-BAA8-2011034B3C6A}" type="datetimeFigureOut">
               <a:rPr lang="en-US" smtClean="0"/>
-              <a:t>2/27/20</a:t>
+              <a:t>4/30/21</a:t>
             </a:fld>
             <a:endParaRPr lang="en-US"/>
           </a:p>
@@ -7052,7 +7052,7 @@
           <a:p>
             <a:fld id="{51673806-0BCD-1F42-BAA8-2011034B3C6A}" type="datetimeFigureOut">
               <a:rPr lang="en-US" smtClean="0"/>
-              <a:t>2/27/20</a:t>
+              <a:t>4/30/21</a:t>
             </a:fld>
             <a:endParaRPr lang="en-US"/>
           </a:p>
@@ -7300,7 +7300,7 @@
             <a:fld id="{51673806-0BCD-1F42-BAA8-2011034B3C6A}" type="datetimeFigureOut">
               <a:rPr lang="en-US" smtClean="0"/>
               <a:pPr/>
-              <a:t>2/27/20</a:t>
+              <a:t>4/30/21</a:t>
             </a:fld>
             <a:endParaRPr lang="en-US" dirty="0"/>
           </a:p>
@@ -7760,8 +7760,16 @@
           <a:lstStyle/>
           <a:p>
             <a:r>
+              <a:rPr lang="en-US"/>
+              <a:t>SURP </a:t>
+            </a:r>
+            <a:r>
+              <a:rPr lang="en-US" smtClean="0"/>
+              <a:t>2021 </a:t>
+            </a:r>
+            <a:r>
               <a:rPr lang="en-US" dirty="0"/>
-              <a:t>SURP 2020 Python Bootcamp</a:t>
+              <a:t>Python Bootcamp</a:t>
             </a:r>
           </a:p>
           <a:p>

--- a/slides/template.pptx
+++ b/slides/template.pptx
@@ -299,10 +299,9 @@
           </a:lstStyle>
           <a:p>
             <a:r>
-              <a:rPr lang="en-US" dirty="0" smtClean="0"/>
+              <a:rPr lang="en-US" dirty="0"/>
               <a:t>Click to edit Master title style</a:t>
             </a:r>
-            <a:endParaRPr lang="en-US" dirty="0"/>
           </a:p>
         </p:txBody>
       </p:sp>
@@ -366,10 +365,9 @@
           </a:lstStyle>
           <a:p>
             <a:r>
-              <a:rPr lang="en-US" dirty="0" smtClean="0"/>
+              <a:rPr lang="en-US" dirty="0"/>
               <a:t>Click to edit Master subtitle style</a:t>
             </a:r>
-            <a:endParaRPr lang="en-US" dirty="0"/>
           </a:p>
         </p:txBody>
       </p:sp>
@@ -390,7 +388,7 @@
           <a:p>
             <a:fld id="{51673806-0BCD-1F42-BAA8-2011034B3C6A}" type="datetimeFigureOut">
               <a:rPr lang="en-US" smtClean="0"/>
-              <a:t>4/30/21</a:t>
+              <a:t>5/8/22</a:t>
             </a:fld>
             <a:endParaRPr lang="en-US"/>
           </a:p>
@@ -639,7 +637,7 @@
           </a:lstStyle>
           <a:p>
             <a:r>
-              <a:rPr lang="en-US" smtClean="0"/>
+              <a:rPr lang="en-US"/>
               <a:t>Click to edit Master title style</a:t>
             </a:r>
             <a:endParaRPr lang="en-US" dirty="0"/>
@@ -715,7 +713,7 @@
           </a:lstStyle>
           <a:p>
             <a:r>
-              <a:rPr lang="en-US" smtClean="0"/>
+              <a:rPr lang="en-US"/>
               <a:t>Drag picture to placeholder or click icon to add</a:t>
             </a:r>
             <a:endParaRPr lang="en-US" dirty="0"/>
@@ -781,7 +779,7 @@
           <a:p>
             <a:pPr lvl="0"/>
             <a:r>
-              <a:rPr lang="en-US" smtClean="0"/>
+              <a:rPr lang="en-US"/>
               <a:t>Click to edit Master text styles</a:t>
             </a:r>
           </a:p>
@@ -804,7 +802,7 @@
           <a:p>
             <a:fld id="{51673806-0BCD-1F42-BAA8-2011034B3C6A}" type="datetimeFigureOut">
               <a:rPr lang="en-US" smtClean="0"/>
-              <a:t>4/30/21</a:t>
+              <a:t>5/8/22</a:t>
             </a:fld>
             <a:endParaRPr lang="en-US"/>
           </a:p>
@@ -1046,7 +1044,7 @@
           </a:lstStyle>
           <a:p>
             <a:r>
-              <a:rPr lang="en-US" smtClean="0"/>
+              <a:rPr lang="en-US"/>
               <a:t>Click to edit Master title style</a:t>
             </a:r>
             <a:endParaRPr lang="en-US" dirty="0"/>
@@ -1112,7 +1110,7 @@
           <a:p>
             <a:pPr lvl="0"/>
             <a:r>
-              <a:rPr lang="en-US" smtClean="0"/>
+              <a:rPr lang="en-US"/>
               <a:t>Click to edit Master text styles</a:t>
             </a:r>
           </a:p>
@@ -1135,7 +1133,7 @@
           <a:p>
             <a:fld id="{51673806-0BCD-1F42-BAA8-2011034B3C6A}" type="datetimeFigureOut">
               <a:rPr lang="en-US" smtClean="0"/>
-              <a:t>4/30/21</a:t>
+              <a:t>5/8/22</a:t>
             </a:fld>
             <a:endParaRPr lang="en-US"/>
           </a:p>
@@ -1377,7 +1375,7 @@
           </a:lstStyle>
           <a:p>
             <a:r>
-              <a:rPr lang="en-US" smtClean="0"/>
+              <a:rPr lang="en-US"/>
               <a:t>Click to edit Master title style</a:t>
             </a:r>
             <a:endParaRPr lang="en-US" dirty="0"/>
@@ -1445,7 +1443,7 @@
           <a:p>
             <a:pPr lvl="0"/>
             <a:r>
-              <a:rPr lang="en-US" smtClean="0"/>
+              <a:rPr lang="en-US"/>
               <a:t>Click to edit Master text styles</a:t>
             </a:r>
           </a:p>
@@ -1512,7 +1510,7 @@
           <a:p>
             <a:pPr lvl="0"/>
             <a:r>
-              <a:rPr lang="en-US" smtClean="0"/>
+              <a:rPr lang="en-US"/>
               <a:t>Click to edit Master text styles</a:t>
             </a:r>
           </a:p>
@@ -1535,7 +1533,7 @@
           <a:p>
             <a:fld id="{51673806-0BCD-1F42-BAA8-2011034B3C6A}" type="datetimeFigureOut">
               <a:rPr lang="en-US" smtClean="0"/>
-              <a:t>4/30/21</a:t>
+              <a:t>5/8/22</a:t>
             </a:fld>
             <a:endParaRPr lang="en-US"/>
           </a:p>
@@ -2009,7 +2007,7 @@
           </a:lstStyle>
           <a:p>
             <a:r>
-              <a:rPr lang="en-US" smtClean="0"/>
+              <a:rPr lang="en-US"/>
               <a:t>Click to edit Master title style</a:t>
             </a:r>
             <a:endParaRPr lang="en-US" dirty="0"/>
@@ -2075,7 +2073,7 @@
           <a:p>
             <a:pPr lvl="0"/>
             <a:r>
-              <a:rPr lang="en-US" smtClean="0"/>
+              <a:rPr lang="en-US"/>
               <a:t>Click to edit Master text styles</a:t>
             </a:r>
           </a:p>
@@ -2098,7 +2096,7 @@
           <a:p>
             <a:fld id="{51673806-0BCD-1F42-BAA8-2011034B3C6A}" type="datetimeFigureOut">
               <a:rPr lang="en-US" smtClean="0"/>
-              <a:t>4/30/21</a:t>
+              <a:t>5/8/22</a:t>
             </a:fld>
             <a:endParaRPr lang="en-US"/>
           </a:p>
@@ -2336,7 +2334,7 @@
           <a:lstStyle/>
           <a:p>
             <a:r>
-              <a:rPr lang="en-US" smtClean="0"/>
+              <a:rPr lang="en-US"/>
               <a:t>Click to edit Master title style</a:t>
             </a:r>
             <a:endParaRPr lang="en-US" dirty="0"/>
@@ -2408,7 +2406,7 @@
           <a:p>
             <a:pPr lvl="0"/>
             <a:r>
-              <a:rPr lang="en-US" smtClean="0"/>
+              <a:rPr lang="en-US"/>
               <a:t>Click to edit Master text styles</a:t>
             </a:r>
           </a:p>
@@ -2475,7 +2473,7 @@
           <a:p>
             <a:pPr lvl="0"/>
             <a:r>
-              <a:rPr lang="en-US" smtClean="0"/>
+              <a:rPr lang="en-US"/>
               <a:t>Click to edit Master text styles</a:t>
             </a:r>
           </a:p>
@@ -2546,7 +2544,7 @@
           <a:p>
             <a:pPr lvl="0"/>
             <a:r>
-              <a:rPr lang="en-US" smtClean="0"/>
+              <a:rPr lang="en-US"/>
               <a:t>Click to edit Master text styles</a:t>
             </a:r>
           </a:p>
@@ -2613,7 +2611,7 @@
           <a:p>
             <a:pPr lvl="0"/>
             <a:r>
-              <a:rPr lang="en-US" smtClean="0"/>
+              <a:rPr lang="en-US"/>
               <a:t>Click to edit Master text styles</a:t>
             </a:r>
           </a:p>
@@ -2684,7 +2682,7 @@
           <a:p>
             <a:pPr lvl="0"/>
             <a:r>
-              <a:rPr lang="en-US" smtClean="0"/>
+              <a:rPr lang="en-US"/>
               <a:t>Click to edit Master text styles</a:t>
             </a:r>
           </a:p>
@@ -2751,7 +2749,7 @@
           <a:p>
             <a:pPr lvl="0"/>
             <a:r>
-              <a:rPr lang="en-US" smtClean="0"/>
+              <a:rPr lang="en-US"/>
               <a:t>Click to edit Master text styles</a:t>
             </a:r>
           </a:p>
@@ -2774,7 +2772,7 @@
           <a:p>
             <a:fld id="{51673806-0BCD-1F42-BAA8-2011034B3C6A}" type="datetimeFigureOut">
               <a:rPr lang="en-US" smtClean="0"/>
-              <a:t>4/30/21</a:t>
+              <a:t>5/8/22</a:t>
             </a:fld>
             <a:endParaRPr lang="en-US"/>
           </a:p>
@@ -3007,7 +3005,7 @@
           <a:lstStyle/>
           <a:p>
             <a:r>
-              <a:rPr lang="en-US" smtClean="0"/>
+              <a:rPr lang="en-US"/>
               <a:t>Click to edit Master title style</a:t>
             </a:r>
             <a:endParaRPr lang="en-US" dirty="0"/>
@@ -3079,7 +3077,7 @@
           <a:p>
             <a:pPr lvl="0"/>
             <a:r>
-              <a:rPr lang="en-US" smtClean="0"/>
+              <a:rPr lang="en-US"/>
               <a:t>Click to edit Master text styles</a:t>
             </a:r>
           </a:p>
@@ -3157,7 +3155,7 @@
           </a:lstStyle>
           <a:p>
             <a:r>
-              <a:rPr lang="en-US" smtClean="0"/>
+              <a:rPr lang="en-US"/>
               <a:t>Drag picture to placeholder or click icon to add</a:t>
             </a:r>
             <a:endParaRPr lang="en-US" dirty="0"/>
@@ -3225,7 +3223,7 @@
           <a:p>
             <a:pPr lvl="0"/>
             <a:r>
-              <a:rPr lang="en-US" smtClean="0"/>
+              <a:rPr lang="en-US"/>
               <a:t>Click to edit Master text styles</a:t>
             </a:r>
           </a:p>
@@ -3296,7 +3294,7 @@
           <a:p>
             <a:pPr lvl="0"/>
             <a:r>
-              <a:rPr lang="en-US" smtClean="0"/>
+              <a:rPr lang="en-US"/>
               <a:t>Click to edit Master text styles</a:t>
             </a:r>
           </a:p>
@@ -3374,7 +3372,7 @@
           </a:lstStyle>
           <a:p>
             <a:r>
-              <a:rPr lang="en-US" smtClean="0"/>
+              <a:rPr lang="en-US"/>
               <a:t>Drag picture to placeholder or click icon to add</a:t>
             </a:r>
             <a:endParaRPr lang="en-US" dirty="0"/>
@@ -3442,7 +3440,7 @@
           <a:p>
             <a:pPr lvl="0"/>
             <a:r>
-              <a:rPr lang="en-US" smtClean="0"/>
+              <a:rPr lang="en-US"/>
               <a:t>Click to edit Master text styles</a:t>
             </a:r>
           </a:p>
@@ -3513,7 +3511,7 @@
           <a:p>
             <a:pPr lvl="0"/>
             <a:r>
-              <a:rPr lang="en-US" smtClean="0"/>
+              <a:rPr lang="en-US"/>
               <a:t>Click to edit Master text styles</a:t>
             </a:r>
           </a:p>
@@ -3591,7 +3589,7 @@
           </a:lstStyle>
           <a:p>
             <a:r>
-              <a:rPr lang="en-US" smtClean="0"/>
+              <a:rPr lang="en-US"/>
               <a:t>Drag picture to placeholder or click icon to add</a:t>
             </a:r>
             <a:endParaRPr lang="en-US" dirty="0"/>
@@ -3659,7 +3657,7 @@
           <a:p>
             <a:pPr lvl="0"/>
             <a:r>
-              <a:rPr lang="en-US" smtClean="0"/>
+              <a:rPr lang="en-US"/>
               <a:t>Click to edit Master text styles</a:t>
             </a:r>
           </a:p>
@@ -3682,7 +3680,7 @@
           <a:p>
             <a:fld id="{51673806-0BCD-1F42-BAA8-2011034B3C6A}" type="datetimeFigureOut">
               <a:rPr lang="en-US" smtClean="0"/>
-              <a:t>4/30/21</a:t>
+              <a:t>5/8/22</a:t>
             </a:fld>
             <a:endParaRPr lang="en-US"/>
           </a:p>
@@ -3914,7 +3912,7 @@
           </a:lstStyle>
           <a:p>
             <a:r>
-              <a:rPr lang="en-US" smtClean="0"/>
+              <a:rPr lang="en-US"/>
               <a:t>Click to edit Master title style</a:t>
             </a:r>
             <a:endParaRPr lang="en-US" dirty="0"/>
@@ -3938,35 +3936,35 @@
           <a:p>
             <a:pPr lvl="0"/>
             <a:r>
-              <a:rPr lang="en-US" smtClean="0"/>
+              <a:rPr lang="en-US"/>
               <a:t>Click to edit Master text styles</a:t>
             </a:r>
           </a:p>
           <a:p>
             <a:pPr lvl="1"/>
             <a:r>
-              <a:rPr lang="en-US" smtClean="0"/>
+              <a:rPr lang="en-US"/>
               <a:t>Second level</a:t>
             </a:r>
           </a:p>
           <a:p>
             <a:pPr lvl="2"/>
             <a:r>
-              <a:rPr lang="en-US" smtClean="0"/>
+              <a:rPr lang="en-US"/>
               <a:t>Third level</a:t>
             </a:r>
           </a:p>
           <a:p>
             <a:pPr lvl="3"/>
             <a:r>
-              <a:rPr lang="en-US" smtClean="0"/>
+              <a:rPr lang="en-US"/>
               <a:t>Fourth level</a:t>
             </a:r>
           </a:p>
           <a:p>
             <a:pPr lvl="4"/>
             <a:r>
-              <a:rPr lang="en-US" smtClean="0"/>
+              <a:rPr lang="en-US"/>
               <a:t>Fifth level</a:t>
             </a:r>
             <a:endParaRPr lang="en-US" dirty="0"/>
@@ -3990,7 +3988,7 @@
           <a:p>
             <a:fld id="{51673806-0BCD-1F42-BAA8-2011034B3C6A}" type="datetimeFigureOut">
               <a:rPr lang="en-US" smtClean="0"/>
-              <a:t>4/30/21</a:t>
+              <a:t>5/8/22</a:t>
             </a:fld>
             <a:endParaRPr lang="en-US"/>
           </a:p>
@@ -4163,7 +4161,7 @@
           <a:lstStyle/>
           <a:p>
             <a:r>
-              <a:rPr lang="en-US" smtClean="0"/>
+              <a:rPr lang="en-US"/>
               <a:t>Click to edit Master title style</a:t>
             </a:r>
             <a:endParaRPr lang="en-US" dirty="0"/>
@@ -4192,35 +4190,35 @@
           <a:p>
             <a:pPr lvl="0"/>
             <a:r>
-              <a:rPr lang="en-US" smtClean="0"/>
+              <a:rPr lang="en-US"/>
               <a:t>Click to edit Master text styles</a:t>
             </a:r>
           </a:p>
           <a:p>
             <a:pPr lvl="1"/>
             <a:r>
-              <a:rPr lang="en-US" smtClean="0"/>
+              <a:rPr lang="en-US"/>
               <a:t>Second level</a:t>
             </a:r>
           </a:p>
           <a:p>
             <a:pPr lvl="2"/>
             <a:r>
-              <a:rPr lang="en-US" smtClean="0"/>
+              <a:rPr lang="en-US"/>
               <a:t>Third level</a:t>
             </a:r>
           </a:p>
           <a:p>
             <a:pPr lvl="3"/>
             <a:r>
-              <a:rPr lang="en-US" smtClean="0"/>
+              <a:rPr lang="en-US"/>
               <a:t>Fourth level</a:t>
             </a:r>
           </a:p>
           <a:p>
             <a:pPr lvl="4"/>
             <a:r>
-              <a:rPr lang="en-US" smtClean="0"/>
+              <a:rPr lang="en-US"/>
               <a:t>Fifth level</a:t>
             </a:r>
             <a:endParaRPr lang="en-US" dirty="0"/>
@@ -4249,7 +4247,7 @@
           <a:p>
             <a:fld id="{51673806-0BCD-1F42-BAA8-2011034B3C6A}" type="datetimeFigureOut">
               <a:rPr lang="en-US" smtClean="0"/>
-              <a:t>4/30/21</a:t>
+              <a:t>5/8/22</a:t>
             </a:fld>
             <a:endParaRPr lang="en-US"/>
           </a:p>
@@ -4496,7 +4494,7 @@
           <a:lstStyle/>
           <a:p>
             <a:r>
-              <a:rPr lang="en-US" smtClean="0"/>
+              <a:rPr lang="en-US"/>
               <a:t>Click to edit Master title style</a:t>
             </a:r>
             <a:endParaRPr lang="en-US" dirty="0"/>
@@ -4520,35 +4518,35 @@
           <a:p>
             <a:pPr lvl="0"/>
             <a:r>
-              <a:rPr lang="en-US" smtClean="0"/>
+              <a:rPr lang="en-US"/>
               <a:t>Click to edit Master text styles</a:t>
             </a:r>
           </a:p>
           <a:p>
             <a:pPr lvl="1"/>
             <a:r>
-              <a:rPr lang="en-US" smtClean="0"/>
+              <a:rPr lang="en-US"/>
               <a:t>Second level</a:t>
             </a:r>
           </a:p>
           <a:p>
             <a:pPr lvl="2"/>
             <a:r>
-              <a:rPr lang="en-US" smtClean="0"/>
+              <a:rPr lang="en-US"/>
               <a:t>Third level</a:t>
             </a:r>
           </a:p>
           <a:p>
             <a:pPr lvl="3"/>
             <a:r>
-              <a:rPr lang="en-US" smtClean="0"/>
+              <a:rPr lang="en-US"/>
               <a:t>Fourth level</a:t>
             </a:r>
           </a:p>
           <a:p>
             <a:pPr lvl="4"/>
             <a:r>
-              <a:rPr lang="en-US" smtClean="0"/>
+              <a:rPr lang="en-US"/>
               <a:t>Fifth level</a:t>
             </a:r>
             <a:endParaRPr lang="en-US" dirty="0"/>
@@ -4572,7 +4570,7 @@
           <a:p>
             <a:fld id="{51673806-0BCD-1F42-BAA8-2011034B3C6A}" type="datetimeFigureOut">
               <a:rPr lang="en-US" smtClean="0"/>
-              <a:t>4/30/21</a:t>
+              <a:t>5/8/22</a:t>
             </a:fld>
             <a:endParaRPr lang="en-US"/>
           </a:p>
@@ -4811,7 +4809,7 @@
           </a:lstStyle>
           <a:p>
             <a:r>
-              <a:rPr lang="en-US" smtClean="0"/>
+              <a:rPr lang="en-US"/>
               <a:t>Click to edit Master title style</a:t>
             </a:r>
             <a:endParaRPr lang="en-US" dirty="0"/>
@@ -4933,7 +4931,7 @@
           <a:p>
             <a:pPr lvl="0"/>
             <a:r>
-              <a:rPr lang="en-US" smtClean="0"/>
+              <a:rPr lang="en-US"/>
               <a:t>Click to edit Master text styles</a:t>
             </a:r>
           </a:p>
@@ -4956,7 +4954,7 @@
           <a:p>
             <a:fld id="{51673806-0BCD-1F42-BAA8-2011034B3C6A}" type="datetimeFigureOut">
               <a:rPr lang="en-US" smtClean="0"/>
-              <a:t>4/30/21</a:t>
+              <a:t>5/8/22</a:t>
             </a:fld>
             <a:endParaRPr lang="en-US"/>
           </a:p>
@@ -5194,7 +5192,7 @@
           <a:lstStyle/>
           <a:p>
             <a:r>
-              <a:rPr lang="en-US" smtClean="0"/>
+              <a:rPr lang="en-US"/>
               <a:t>Click to edit Master title style</a:t>
             </a:r>
             <a:endParaRPr lang="en-US" dirty="0"/>
@@ -5223,35 +5221,35 @@
           <a:p>
             <a:pPr lvl="0"/>
             <a:r>
-              <a:rPr lang="en-US" smtClean="0"/>
+              <a:rPr lang="en-US"/>
               <a:t>Click to edit Master text styles</a:t>
             </a:r>
           </a:p>
           <a:p>
             <a:pPr lvl="1"/>
             <a:r>
-              <a:rPr lang="en-US" smtClean="0"/>
+              <a:rPr lang="en-US"/>
               <a:t>Second level</a:t>
             </a:r>
           </a:p>
           <a:p>
             <a:pPr lvl="2"/>
             <a:r>
-              <a:rPr lang="en-US" smtClean="0"/>
+              <a:rPr lang="en-US"/>
               <a:t>Third level</a:t>
             </a:r>
           </a:p>
           <a:p>
             <a:pPr lvl="3"/>
             <a:r>
-              <a:rPr lang="en-US" smtClean="0"/>
+              <a:rPr lang="en-US"/>
               <a:t>Fourth level</a:t>
             </a:r>
           </a:p>
           <a:p>
             <a:pPr lvl="4"/>
             <a:r>
-              <a:rPr lang="en-US" smtClean="0"/>
+              <a:rPr lang="en-US"/>
               <a:t>Fifth level</a:t>
             </a:r>
             <a:endParaRPr lang="en-US" dirty="0"/>
@@ -5280,35 +5278,35 @@
           <a:p>
             <a:pPr lvl="0"/>
             <a:r>
-              <a:rPr lang="en-US" smtClean="0"/>
+              <a:rPr lang="en-US"/>
               <a:t>Click to edit Master text styles</a:t>
             </a:r>
           </a:p>
           <a:p>
             <a:pPr lvl="1"/>
             <a:r>
-              <a:rPr lang="en-US" smtClean="0"/>
+              <a:rPr lang="en-US"/>
               <a:t>Second level</a:t>
             </a:r>
           </a:p>
           <a:p>
             <a:pPr lvl="2"/>
             <a:r>
-              <a:rPr lang="en-US" smtClean="0"/>
+              <a:rPr lang="en-US"/>
               <a:t>Third level</a:t>
             </a:r>
           </a:p>
           <a:p>
             <a:pPr lvl="3"/>
             <a:r>
-              <a:rPr lang="en-US" smtClean="0"/>
+              <a:rPr lang="en-US"/>
               <a:t>Fourth level</a:t>
             </a:r>
           </a:p>
           <a:p>
             <a:pPr lvl="4"/>
             <a:r>
-              <a:rPr lang="en-US" smtClean="0"/>
+              <a:rPr lang="en-US"/>
               <a:t>Fifth level</a:t>
             </a:r>
             <a:endParaRPr lang="en-US" dirty="0"/>
@@ -5332,7 +5330,7 @@
           <a:p>
             <a:fld id="{51673806-0BCD-1F42-BAA8-2011034B3C6A}" type="datetimeFigureOut">
               <a:rPr lang="en-US" smtClean="0"/>
-              <a:t>4/30/21</a:t>
+              <a:t>5/8/22</a:t>
             </a:fld>
             <a:endParaRPr lang="en-US"/>
           </a:p>
@@ -5570,7 +5568,7 @@
           <a:lstStyle/>
           <a:p>
             <a:r>
-              <a:rPr lang="en-US" smtClean="0"/>
+              <a:rPr lang="en-US"/>
               <a:t>Click to edit Master title style</a:t>
             </a:r>
             <a:endParaRPr lang="en-US" dirty="0"/>
@@ -5636,7 +5634,7 @@
           <a:p>
             <a:pPr lvl="0"/>
             <a:r>
-              <a:rPr lang="en-US" smtClean="0"/>
+              <a:rPr lang="en-US"/>
               <a:t>Click to edit Master text styles</a:t>
             </a:r>
           </a:p>
@@ -5664,35 +5662,35 @@
           <a:p>
             <a:pPr lvl="0"/>
             <a:r>
-              <a:rPr lang="en-US" smtClean="0"/>
+              <a:rPr lang="en-US"/>
               <a:t>Click to edit Master text styles</a:t>
             </a:r>
           </a:p>
           <a:p>
             <a:pPr lvl="1"/>
             <a:r>
-              <a:rPr lang="en-US" smtClean="0"/>
+              <a:rPr lang="en-US"/>
               <a:t>Second level</a:t>
             </a:r>
           </a:p>
           <a:p>
             <a:pPr lvl="2"/>
             <a:r>
-              <a:rPr lang="en-US" smtClean="0"/>
+              <a:rPr lang="en-US"/>
               <a:t>Third level</a:t>
             </a:r>
           </a:p>
           <a:p>
             <a:pPr lvl="3"/>
             <a:r>
-              <a:rPr lang="en-US" smtClean="0"/>
+              <a:rPr lang="en-US"/>
               <a:t>Fourth level</a:t>
             </a:r>
           </a:p>
           <a:p>
             <a:pPr lvl="4"/>
             <a:r>
-              <a:rPr lang="en-US" smtClean="0"/>
+              <a:rPr lang="en-US"/>
               <a:t>Fifth level</a:t>
             </a:r>
             <a:endParaRPr lang="en-US" dirty="0"/>
@@ -5758,7 +5756,7 @@
           <a:p>
             <a:pPr lvl="0"/>
             <a:r>
-              <a:rPr lang="en-US" smtClean="0"/>
+              <a:rPr lang="en-US"/>
               <a:t>Click to edit Master text styles</a:t>
             </a:r>
           </a:p>
@@ -5786,35 +5784,35 @@
           <a:p>
             <a:pPr lvl="0"/>
             <a:r>
-              <a:rPr lang="en-US" smtClean="0"/>
+              <a:rPr lang="en-US"/>
               <a:t>Click to edit Master text styles</a:t>
             </a:r>
           </a:p>
           <a:p>
             <a:pPr lvl="1"/>
             <a:r>
-              <a:rPr lang="en-US" smtClean="0"/>
+              <a:rPr lang="en-US"/>
               <a:t>Second level</a:t>
             </a:r>
           </a:p>
           <a:p>
             <a:pPr lvl="2"/>
             <a:r>
-              <a:rPr lang="en-US" smtClean="0"/>
+              <a:rPr lang="en-US"/>
               <a:t>Third level</a:t>
             </a:r>
           </a:p>
           <a:p>
             <a:pPr lvl="3"/>
             <a:r>
-              <a:rPr lang="en-US" smtClean="0"/>
+              <a:rPr lang="en-US"/>
               <a:t>Fourth level</a:t>
             </a:r>
           </a:p>
           <a:p>
             <a:pPr lvl="4"/>
             <a:r>
-              <a:rPr lang="en-US" smtClean="0"/>
+              <a:rPr lang="en-US"/>
               <a:t>Fifth level</a:t>
             </a:r>
             <a:endParaRPr lang="en-US" dirty="0"/>
@@ -5838,7 +5836,7 @@
           <a:p>
             <a:fld id="{51673806-0BCD-1F42-BAA8-2011034B3C6A}" type="datetimeFigureOut">
               <a:rPr lang="en-US" smtClean="0"/>
-              <a:t>4/30/21</a:t>
+              <a:t>5/8/22</a:t>
             </a:fld>
             <a:endParaRPr lang="en-US"/>
           </a:p>
@@ -6071,7 +6069,7 @@
           <a:lstStyle/>
           <a:p>
             <a:r>
-              <a:rPr lang="en-US" smtClean="0"/>
+              <a:rPr lang="en-US"/>
               <a:t>Click to edit Master title style</a:t>
             </a:r>
             <a:endParaRPr lang="en-US" dirty="0"/>
@@ -6095,7 +6093,7 @@
           <a:p>
             <a:fld id="{51673806-0BCD-1F42-BAA8-2011034B3C6A}" type="datetimeFigureOut">
               <a:rPr lang="en-US" smtClean="0"/>
-              <a:t>4/30/21</a:t>
+              <a:t>5/8/22</a:t>
             </a:fld>
             <a:endParaRPr lang="en-US"/>
           </a:p>
@@ -6253,7 +6251,7 @@
           <a:p>
             <a:fld id="{51673806-0BCD-1F42-BAA8-2011034B3C6A}" type="datetimeFigureOut">
               <a:rPr lang="en-US" smtClean="0"/>
-              <a:t>4/30/21</a:t>
+              <a:t>5/8/22</a:t>
             </a:fld>
             <a:endParaRPr lang="en-US"/>
           </a:p>
@@ -6497,7 +6495,7 @@
           </a:lstStyle>
           <a:p>
             <a:r>
-              <a:rPr lang="en-US" smtClean="0"/>
+              <a:rPr lang="en-US"/>
               <a:t>Click to edit Master title style</a:t>
             </a:r>
             <a:endParaRPr lang="en-US" dirty="0"/>
@@ -6526,35 +6524,35 @@
           <a:p>
             <a:pPr lvl="0"/>
             <a:r>
-              <a:rPr lang="en-US" smtClean="0"/>
+              <a:rPr lang="en-US"/>
               <a:t>Click to edit Master text styles</a:t>
             </a:r>
           </a:p>
           <a:p>
             <a:pPr lvl="1"/>
             <a:r>
-              <a:rPr lang="en-US" smtClean="0"/>
+              <a:rPr lang="en-US"/>
               <a:t>Second level</a:t>
             </a:r>
           </a:p>
           <a:p>
             <a:pPr lvl="2"/>
             <a:r>
-              <a:rPr lang="en-US" smtClean="0"/>
+              <a:rPr lang="en-US"/>
               <a:t>Third level</a:t>
             </a:r>
           </a:p>
           <a:p>
             <a:pPr lvl="3"/>
             <a:r>
-              <a:rPr lang="en-US" smtClean="0"/>
+              <a:rPr lang="en-US"/>
               <a:t>Fourth level</a:t>
             </a:r>
           </a:p>
           <a:p>
             <a:pPr lvl="4"/>
             <a:r>
-              <a:rPr lang="en-US" smtClean="0"/>
+              <a:rPr lang="en-US"/>
               <a:t>Fifth level</a:t>
             </a:r>
             <a:endParaRPr lang="en-US" dirty="0"/>
@@ -6620,7 +6618,7 @@
           <a:p>
             <a:pPr lvl="0"/>
             <a:r>
-              <a:rPr lang="en-US" smtClean="0"/>
+              <a:rPr lang="en-US"/>
               <a:t>Click to edit Master text styles</a:t>
             </a:r>
           </a:p>
@@ -6643,7 +6641,7 @@
           <a:p>
             <a:fld id="{51673806-0BCD-1F42-BAA8-2011034B3C6A}" type="datetimeFigureOut">
               <a:rPr lang="en-US" smtClean="0"/>
-              <a:t>4/30/21</a:t>
+              <a:t>5/8/22</a:t>
             </a:fld>
             <a:endParaRPr lang="en-US"/>
           </a:p>
@@ -6887,7 +6885,7 @@
           </a:lstStyle>
           <a:p>
             <a:r>
-              <a:rPr lang="en-US" smtClean="0"/>
+              <a:rPr lang="en-US"/>
               <a:t>Click to edit Master title style</a:t>
             </a:r>
             <a:endParaRPr lang="en-US" dirty="0"/>
@@ -6963,7 +6961,7 @@
           </a:lstStyle>
           <a:p>
             <a:r>
-              <a:rPr lang="en-US" smtClean="0"/>
+              <a:rPr lang="en-US"/>
               <a:t>Drag picture to placeholder or click icon to add</a:t>
             </a:r>
             <a:endParaRPr lang="en-US" dirty="0"/>
@@ -7029,7 +7027,7 @@
           <a:p>
             <a:pPr lvl="0"/>
             <a:r>
-              <a:rPr lang="en-US" smtClean="0"/>
+              <a:rPr lang="en-US"/>
               <a:t>Click to edit Master text styles</a:t>
             </a:r>
           </a:p>
@@ -7052,7 +7050,7 @@
           <a:p>
             <a:fld id="{51673806-0BCD-1F42-BAA8-2011034B3C6A}" type="datetimeFigureOut">
               <a:rPr lang="en-US" smtClean="0"/>
-              <a:t>4/30/21</a:t>
+              <a:t>5/8/22</a:t>
             </a:fld>
             <a:endParaRPr lang="en-US"/>
           </a:p>
@@ -7074,7 +7072,7 @@
           <a:lstStyle/>
           <a:p>
             <a:r>
-              <a:rPr lang="en-US" smtClean="0"/>
+              <a:rPr lang="en-US"/>
               <a:t>
               </a:t>
             </a:r>
@@ -7192,10 +7190,9 @@
           <a:lstStyle/>
           <a:p>
             <a:r>
-              <a:rPr lang="en-US" dirty="0" smtClean="0"/>
+              <a:rPr lang="en-US" dirty="0"/>
               <a:t>Click to edit Master title style</a:t>
             </a:r>
-            <a:endParaRPr lang="en-US" dirty="0"/>
           </a:p>
         </p:txBody>
       </p:sp>
@@ -7226,38 +7223,37 @@
           <a:p>
             <a:pPr lvl="0"/>
             <a:r>
-              <a:rPr lang="en-US" dirty="0" smtClean="0"/>
+              <a:rPr lang="en-US" dirty="0"/>
               <a:t>Click to edit Master text styles</a:t>
             </a:r>
           </a:p>
           <a:p>
             <a:pPr lvl="1"/>
             <a:r>
-              <a:rPr lang="en-US" dirty="0" smtClean="0"/>
+              <a:rPr lang="en-US" dirty="0"/>
               <a:t>Second level</a:t>
             </a:r>
           </a:p>
           <a:p>
             <a:pPr lvl="2"/>
             <a:r>
-              <a:rPr lang="en-US" dirty="0" smtClean="0"/>
+              <a:rPr lang="en-US" dirty="0"/>
               <a:t>Third level</a:t>
             </a:r>
           </a:p>
           <a:p>
             <a:pPr lvl="3"/>
             <a:r>
-              <a:rPr lang="en-US" dirty="0" smtClean="0"/>
+              <a:rPr lang="en-US" dirty="0"/>
               <a:t>Fourth level</a:t>
             </a:r>
           </a:p>
           <a:p>
             <a:pPr lvl="4"/>
             <a:r>
-              <a:rPr lang="en-US" dirty="0" smtClean="0"/>
+              <a:rPr lang="en-US" dirty="0"/>
               <a:t>Fifth level</a:t>
             </a:r>
-            <a:endParaRPr lang="en-US" dirty="0"/>
           </a:p>
         </p:txBody>
       </p:sp>
@@ -7300,7 +7296,7 @@
             <a:fld id="{51673806-0BCD-1F42-BAA8-2011034B3C6A}" type="datetimeFigureOut">
               <a:rPr lang="en-US" smtClean="0"/>
               <a:pPr/>
-              <a:t>4/30/21</a:t>
+              <a:t>5/8/22</a:t>
             </a:fld>
             <a:endParaRPr lang="en-US" dirty="0"/>
           </a:p>
@@ -7761,11 +7757,7 @@
           <a:p>
             <a:r>
               <a:rPr lang="en-US"/>
-              <a:t>SURP </a:t>
-            </a:r>
-            <a:r>
-              <a:rPr lang="en-US" smtClean="0"/>
-              <a:t>2021 </a:t>
+              <a:t>SURP 2022 </a:t>
             </a:r>
             <a:r>
               <a:rPr lang="en-US" dirty="0"/>
@@ -7781,13 +7773,8 @@
           <a:p>
             <a:r>
               <a:rPr lang="en-US" dirty="0"/>
-              <a:t>Slides by: James W. </a:t>
-            </a:r>
-            <a:r>
-              <a:rPr lang="en-US" dirty="0" smtClean="0"/>
-              <a:t>Johnson</a:t>
-            </a:r>
-            <a:endParaRPr lang="en-US" dirty="0"/>
+              <a:t>Slides by: James W. Johnson</a:t>
+            </a:r>
           </a:p>
         </p:txBody>
       </p:sp>
